--- a/powerpoints/1_Core_Java.pptx
+++ b/powerpoints/1_Core_Java.pptx
@@ -225,7 +225,7 @@
           <a:p>
             <a:fld id="{D57E2924-9166-4D8A-BCBE-CC8C2522A71F}" type="datetimeFigureOut">
               <a:rPr lang="en-US" smtClean="0"/>
-              <a:t>4/29/2019</a:t>
+              <a:t>5/7/2019</a:t>
             </a:fld>
             <a:endParaRPr lang="en-US"/>
           </a:p>
@@ -621,8 +621,66 @@
           <a:lstStyle/>
           <a:p>
             <a:r>
-              <a:rPr lang="en-US" dirty="0"/>
-              <a:t>New Semaphore(*)  cannot be empty in constructor</a:t>
+              <a:rPr lang="en-US" dirty="0" err="1"/>
+              <a:t>newCachedThreadPool</a:t>
+            </a:r>
+            <a:r>
+              <a:rPr lang="en-US" dirty="0"/>
+              <a:t> – thread will die if not been used for 60 seconds;  </a:t>
+            </a:r>
+            <a:r>
+              <a:rPr lang="en-US" dirty="0" err="1"/>
+              <a:t>NewFixedThreadPool</a:t>
+            </a:r>
+            <a:r>
+              <a:rPr lang="en-US" dirty="0"/>
+              <a:t> – thread will exist forever</a:t>
+            </a:r>
+          </a:p>
+          <a:p>
+            <a:r>
+              <a:rPr lang="en-US" dirty="0"/>
+              <a:t>Execute(runnable) vs Submit(callable) – invoke(callable)</a:t>
+            </a:r>
+          </a:p>
+          <a:p>
+            <a:endParaRPr lang="en-US" dirty="0"/>
+          </a:p>
+          <a:p>
+            <a:r>
+              <a:rPr lang="en-US" dirty="0"/>
+              <a:t>Future&lt;String&gt; future = </a:t>
+            </a:r>
+            <a:r>
+              <a:rPr lang="en-US" dirty="0" err="1"/>
+              <a:t>executorService.submit</a:t>
+            </a:r>
+            <a:r>
+              <a:rPr lang="en-US" dirty="0"/>
+              <a:t>();</a:t>
+            </a:r>
+          </a:p>
+          <a:p>
+            <a:r>
+              <a:rPr lang="en-US" dirty="0"/>
+              <a:t>String result = </a:t>
+            </a:r>
+            <a:r>
+              <a:rPr lang="en-US" dirty="0" err="1"/>
+              <a:t>future.get</a:t>
+            </a:r>
+            <a:r>
+              <a:rPr lang="en-US" dirty="0"/>
+              <a:t>(); ---------- use get() to get the object returned.</a:t>
+            </a:r>
+          </a:p>
+          <a:p>
+            <a:endParaRPr lang="en-US" dirty="0"/>
+          </a:p>
+          <a:p>
+            <a:r>
+              <a:rPr lang="en-US" dirty="0"/>
+              <a:t>Remember to shutdown()</a:t>
             </a:r>
           </a:p>
           <a:p>
@@ -650,7 +708,7 @@
           <a:p>
             <a:fld id="{ED44A05C-AF2B-43BD-B08C-EE7E75FE5A46}" type="slidenum">
               <a:rPr lang="en-US" smtClean="0"/>
-              <a:t>23</a:t>
+              <a:t>22</a:t>
             </a:fld>
             <a:endParaRPr lang="en-US"/>
           </a:p>
@@ -659,7 +717,7 @@
     </p:spTree>
     <p:extLst>
       <p:ext uri="{BB962C8B-B14F-4D97-AF65-F5344CB8AC3E}">
-        <p14:creationId xmlns:p14="http://schemas.microsoft.com/office/powerpoint/2010/main" val="373480036"/>
+        <p14:creationId xmlns:p14="http://schemas.microsoft.com/office/powerpoint/2010/main" val="3561333889"/>
       </p:ext>
     </p:extLst>
   </p:cSld>
@@ -715,6 +773,99 @@
           <a:p>
             <a:r>
               <a:rPr lang="en-US" dirty="0"/>
+              <a:t>New Semaphore(*)  cannot be empty in constructor</a:t>
+            </a:r>
+          </a:p>
+          <a:p>
+            <a:endParaRPr lang="en-US" dirty="0"/>
+          </a:p>
+          <a:p>
+            <a:endParaRPr lang="en-US" dirty="0"/>
+          </a:p>
+        </p:txBody>
+      </p:sp>
+      <p:sp>
+        <p:nvSpPr>
+          <p:cNvPr id="4" name="Slide Number Placeholder 3"/>
+          <p:cNvSpPr>
+            <a:spLocks noGrp="1"/>
+          </p:cNvSpPr>
+          <p:nvPr>
+            <p:ph type="sldNum" sz="quarter" idx="5"/>
+          </p:nvPr>
+        </p:nvSpPr>
+        <p:spPr/>
+        <p:txBody>
+          <a:bodyPr/>
+          <a:lstStyle/>
+          <a:p>
+            <a:fld id="{ED44A05C-AF2B-43BD-B08C-EE7E75FE5A46}" type="slidenum">
+              <a:rPr lang="en-US" smtClean="0"/>
+              <a:t>23</a:t>
+            </a:fld>
+            <a:endParaRPr lang="en-US"/>
+          </a:p>
+        </p:txBody>
+      </p:sp>
+    </p:spTree>
+    <p:extLst>
+      <p:ext uri="{BB962C8B-B14F-4D97-AF65-F5344CB8AC3E}">
+        <p14:creationId xmlns:p14="http://schemas.microsoft.com/office/powerpoint/2010/main" val="373480036"/>
+      </p:ext>
+    </p:extLst>
+  </p:cSld>
+  <p:clrMapOvr>
+    <a:masterClrMapping/>
+  </p:clrMapOvr>
+</p:notes>
+</file>
+
+<file path=ppt/notesSlides/notesSlide12.xml><?xml version="1.0" encoding="utf-8"?>
+<p:notes xmlns:a="http://schemas.openxmlformats.org/drawingml/2006/main" xmlns:r="http://schemas.openxmlformats.org/officeDocument/2006/relationships" xmlns:p="http://schemas.openxmlformats.org/presentationml/2006/main">
+  <p:cSld>
+    <p:spTree>
+      <p:nvGrpSpPr>
+        <p:cNvPr id="1" name=""/>
+        <p:cNvGrpSpPr/>
+        <p:nvPr/>
+      </p:nvGrpSpPr>
+      <p:grpSpPr>
+        <a:xfrm>
+          <a:off x="0" y="0"/>
+          <a:ext cx="0" cy="0"/>
+          <a:chOff x="0" y="0"/>
+          <a:chExt cx="0" cy="0"/>
+        </a:xfrm>
+      </p:grpSpPr>
+      <p:sp>
+        <p:nvSpPr>
+          <p:cNvPr id="2" name="Slide Image Placeholder 1"/>
+          <p:cNvSpPr>
+            <a:spLocks noGrp="1" noRot="1" noChangeAspect="1"/>
+          </p:cNvSpPr>
+          <p:nvPr>
+            <p:ph type="sldImg"/>
+          </p:nvPr>
+        </p:nvSpPr>
+        <p:spPr/>
+      </p:sp>
+      <p:sp>
+        <p:nvSpPr>
+          <p:cNvPr id="3" name="Notes Placeholder 2"/>
+          <p:cNvSpPr>
+            <a:spLocks noGrp="1"/>
+          </p:cNvSpPr>
+          <p:nvPr>
+            <p:ph type="body" idx="1"/>
+          </p:nvPr>
+        </p:nvSpPr>
+        <p:spPr/>
+        <p:txBody>
+          <a:bodyPr/>
+          <a:lstStyle/>
+          <a:p>
+            <a:r>
+              <a:rPr lang="en-US" dirty="0"/>
               <a:t>Predicate : a special function which only returns true or false – a judgement function</a:t>
             </a:r>
           </a:p>
@@ -756,7 +907,7 @@
 </p:notes>
 </file>
 
-<file path=ppt/notesSlides/notesSlide12.xml><?xml version="1.0" encoding="utf-8"?>
+<file path=ppt/notesSlides/notesSlide13.xml><?xml version="1.0" encoding="utf-8"?>
 <p:notes xmlns:a="http://schemas.openxmlformats.org/drawingml/2006/main" xmlns:r="http://schemas.openxmlformats.org/officeDocument/2006/relationships" xmlns:p="http://schemas.openxmlformats.org/presentationml/2006/main">
   <p:cSld>
     <p:spTree>
@@ -1068,44 +1219,6 @@
           <a:bodyPr/>
           <a:lstStyle/>
           <a:p>
-            <a:r>
-              <a:rPr lang="en-US" dirty="0" err="1"/>
-              <a:t>VendingMachine</a:t>
-            </a:r>
-            <a:r>
-              <a:rPr lang="en-US" dirty="0"/>
-              <a:t>(List&lt;&gt; items,  double balance, 1. </a:t>
-            </a:r>
-            <a:r>
-              <a:rPr lang="en-US" dirty="0" err="1"/>
-              <a:t>getPriceForItem</a:t>
-            </a:r>
-            <a:r>
-              <a:rPr lang="en-US" dirty="0"/>
-              <a:t>(), 2. </a:t>
-            </a:r>
-            <a:r>
-              <a:rPr lang="en-US" dirty="0" err="1"/>
-              <a:t>vendingItem</a:t>
-            </a:r>
-            <a:r>
-              <a:rPr lang="en-US" dirty="0"/>
-              <a:t>(), 3.insertPayment(), 4. refund() 5. Exchange())</a:t>
-            </a:r>
-          </a:p>
-          <a:p>
-            <a:r>
-              <a:rPr lang="en-US" dirty="0"/>
-              <a:t>Item(type, price)</a:t>
-            </a:r>
-          </a:p>
-          <a:p>
-            <a:endParaRPr lang="en-US" dirty="0"/>
-          </a:p>
-          <a:p>
-            <a:endParaRPr lang="en-US" dirty="0"/>
-          </a:p>
-          <a:p>
             <a:endParaRPr lang="en-US" dirty="0"/>
           </a:p>
         </p:txBody>
@@ -1127,7 +1240,7 @@
           <a:p>
             <a:fld id="{ED44A05C-AF2B-43BD-B08C-EE7E75FE5A46}" type="slidenum">
               <a:rPr lang="en-US" smtClean="0"/>
-              <a:t>15</a:t>
+              <a:t>10</a:t>
             </a:fld>
             <a:endParaRPr lang="en-US"/>
           </a:p>
@@ -1136,7 +1249,7 @@
     </p:spTree>
     <p:extLst>
       <p:ext uri="{BB962C8B-B14F-4D97-AF65-F5344CB8AC3E}">
-        <p14:creationId xmlns:p14="http://schemas.microsoft.com/office/powerpoint/2010/main" val="2665661360"/>
+        <p14:creationId xmlns:p14="http://schemas.microsoft.com/office/powerpoint/2010/main" val="3833944746"/>
       </p:ext>
     </p:extLst>
   </p:cSld>
@@ -1190,6 +1303,44 @@
           <a:bodyPr/>
           <a:lstStyle/>
           <a:p>
+            <a:r>
+              <a:rPr lang="en-US" dirty="0" err="1"/>
+              <a:t>VendingMachine</a:t>
+            </a:r>
+            <a:r>
+              <a:rPr lang="en-US" dirty="0"/>
+              <a:t>(List&lt;&gt; items,  double balance, 1. </a:t>
+            </a:r>
+            <a:r>
+              <a:rPr lang="en-US" dirty="0" err="1"/>
+              <a:t>getPriceForItem</a:t>
+            </a:r>
+            <a:r>
+              <a:rPr lang="en-US" dirty="0"/>
+              <a:t>(), 2. </a:t>
+            </a:r>
+            <a:r>
+              <a:rPr lang="en-US" dirty="0" err="1"/>
+              <a:t>vendingItem</a:t>
+            </a:r>
+            <a:r>
+              <a:rPr lang="en-US" dirty="0"/>
+              <a:t>(), 3.insertPayment(), 4. refund() 5. Exchange())</a:t>
+            </a:r>
+          </a:p>
+          <a:p>
+            <a:r>
+              <a:rPr lang="en-US" dirty="0"/>
+              <a:t>Item(type, price)</a:t>
+            </a:r>
+          </a:p>
+          <a:p>
+            <a:endParaRPr lang="en-US" dirty="0"/>
+          </a:p>
+          <a:p>
+            <a:endParaRPr lang="en-US" dirty="0"/>
+          </a:p>
+          <a:p>
             <a:endParaRPr lang="en-US" dirty="0"/>
           </a:p>
         </p:txBody>
@@ -1211,7 +1362,7 @@
           <a:p>
             <a:fld id="{ED44A05C-AF2B-43BD-B08C-EE7E75FE5A46}" type="slidenum">
               <a:rPr lang="en-US" smtClean="0"/>
-              <a:t>16</a:t>
+              <a:t>15</a:t>
             </a:fld>
             <a:endParaRPr lang="en-US"/>
           </a:p>
@@ -1220,7 +1371,7 @@
     </p:spTree>
     <p:extLst>
       <p:ext uri="{BB962C8B-B14F-4D97-AF65-F5344CB8AC3E}">
-        <p14:creationId xmlns:p14="http://schemas.microsoft.com/office/powerpoint/2010/main" val="2967428070"/>
+        <p14:creationId xmlns:p14="http://schemas.microsoft.com/office/powerpoint/2010/main" val="2665661360"/>
       </p:ext>
     </p:extLst>
   </p:cSld>
@@ -1276,9 +1427,6 @@
           <a:p>
             <a:endParaRPr lang="en-US" dirty="0"/>
           </a:p>
-          <a:p>
-            <a:endParaRPr lang="en-US" dirty="0"/>
-          </a:p>
         </p:txBody>
       </p:sp>
       <p:sp>
@@ -1298,7 +1446,7 @@
           <a:p>
             <a:fld id="{ED44A05C-AF2B-43BD-B08C-EE7E75FE5A46}" type="slidenum">
               <a:rPr lang="en-US" smtClean="0"/>
-              <a:t>19</a:t>
+              <a:t>16</a:t>
             </a:fld>
             <a:endParaRPr lang="en-US"/>
           </a:p>
@@ -1307,7 +1455,7 @@
     </p:spTree>
     <p:extLst>
       <p:ext uri="{BB962C8B-B14F-4D97-AF65-F5344CB8AC3E}">
-        <p14:creationId xmlns:p14="http://schemas.microsoft.com/office/powerpoint/2010/main" val="89091904"/>
+        <p14:creationId xmlns:p14="http://schemas.microsoft.com/office/powerpoint/2010/main" val="2967428070"/>
       </p:ext>
     </p:extLst>
   </p:cSld>
@@ -1385,7 +1533,7 @@
           <a:p>
             <a:fld id="{ED44A05C-AF2B-43BD-B08C-EE7E75FE5A46}" type="slidenum">
               <a:rPr lang="en-US" smtClean="0"/>
-              <a:t>20</a:t>
+              <a:t>19</a:t>
             </a:fld>
             <a:endParaRPr lang="en-US"/>
           </a:p>
@@ -1394,7 +1542,7 @@
     </p:spTree>
     <p:extLst>
       <p:ext uri="{BB962C8B-B14F-4D97-AF65-F5344CB8AC3E}">
-        <p14:creationId xmlns:p14="http://schemas.microsoft.com/office/powerpoint/2010/main" val="207837316"/>
+        <p14:creationId xmlns:p14="http://schemas.microsoft.com/office/powerpoint/2010/main" val="89091904"/>
       </p:ext>
     </p:extLst>
   </p:cSld>
@@ -1450,6 +1598,9 @@
           <a:p>
             <a:endParaRPr lang="en-US" dirty="0"/>
           </a:p>
+          <a:p>
+            <a:endParaRPr lang="en-US" dirty="0"/>
+          </a:p>
         </p:txBody>
       </p:sp>
       <p:sp>
@@ -1469,7 +1620,7 @@
           <a:p>
             <a:fld id="{ED44A05C-AF2B-43BD-B08C-EE7E75FE5A46}" type="slidenum">
               <a:rPr lang="en-US" smtClean="0"/>
-              <a:t>21</a:t>
+              <a:t>20</a:t>
             </a:fld>
             <a:endParaRPr lang="en-US"/>
           </a:p>
@@ -1478,7 +1629,7 @@
     </p:spTree>
     <p:extLst>
       <p:ext uri="{BB962C8B-B14F-4D97-AF65-F5344CB8AC3E}">
-        <p14:creationId xmlns:p14="http://schemas.microsoft.com/office/powerpoint/2010/main" val="1735056192"/>
+        <p14:creationId xmlns:p14="http://schemas.microsoft.com/office/powerpoint/2010/main" val="207837316"/>
       </p:ext>
     </p:extLst>
   </p:cSld>
@@ -1532,73 +1683,6 @@
           <a:bodyPr/>
           <a:lstStyle/>
           <a:p>
-            <a:r>
-              <a:rPr lang="en-US" dirty="0" err="1"/>
-              <a:t>newCachedThreadPool</a:t>
-            </a:r>
-            <a:r>
-              <a:rPr lang="en-US" dirty="0"/>
-              <a:t> – thread will die if not been used for 60 seconds;  </a:t>
-            </a:r>
-            <a:r>
-              <a:rPr lang="en-US" dirty="0" err="1"/>
-              <a:t>NewFixedThreadPool</a:t>
-            </a:r>
-            <a:r>
-              <a:rPr lang="en-US" dirty="0"/>
-              <a:t> – thread will exist forever</a:t>
-            </a:r>
-          </a:p>
-          <a:p>
-            <a:r>
-              <a:rPr lang="en-US" dirty="0"/>
-              <a:t>Execute(runnable) vs Submit(callable) – invoke(callable)</a:t>
-            </a:r>
-          </a:p>
-          <a:p>
-            <a:endParaRPr lang="en-US" dirty="0"/>
-          </a:p>
-          <a:p>
-            <a:r>
-              <a:rPr lang="en-US" dirty="0"/>
-              <a:t>Future&lt;String&gt; future = </a:t>
-            </a:r>
-            <a:r>
-              <a:rPr lang="en-US" dirty="0" err="1"/>
-              <a:t>executorService.submit</a:t>
-            </a:r>
-            <a:r>
-              <a:rPr lang="en-US" dirty="0"/>
-              <a:t>();</a:t>
-            </a:r>
-          </a:p>
-          <a:p>
-            <a:r>
-              <a:rPr lang="en-US" dirty="0"/>
-              <a:t>String result = </a:t>
-            </a:r>
-            <a:r>
-              <a:rPr lang="en-US" dirty="0" err="1"/>
-              <a:t>future.get</a:t>
-            </a:r>
-            <a:r>
-              <a:rPr lang="en-US" dirty="0"/>
-              <a:t>(); ---------- use get() to get the object returned.</a:t>
-            </a:r>
-          </a:p>
-          <a:p>
-            <a:endParaRPr lang="en-US" dirty="0"/>
-          </a:p>
-          <a:p>
-            <a:r>
-              <a:rPr lang="en-US" dirty="0"/>
-              <a:t>Remember to shutdown()</a:t>
-            </a:r>
-          </a:p>
-          <a:p>
-            <a:endParaRPr lang="en-US" dirty="0"/>
-          </a:p>
-          <a:p>
             <a:endParaRPr lang="en-US" dirty="0"/>
           </a:p>
         </p:txBody>
@@ -1620,7 +1704,7 @@
           <a:p>
             <a:fld id="{ED44A05C-AF2B-43BD-B08C-EE7E75FE5A46}" type="slidenum">
               <a:rPr lang="en-US" smtClean="0"/>
-              <a:t>22</a:t>
+              <a:t>21</a:t>
             </a:fld>
             <a:endParaRPr lang="en-US"/>
           </a:p>
@@ -1629,7 +1713,7 @@
     </p:spTree>
     <p:extLst>
       <p:ext uri="{BB962C8B-B14F-4D97-AF65-F5344CB8AC3E}">
-        <p14:creationId xmlns:p14="http://schemas.microsoft.com/office/powerpoint/2010/main" val="3561333889"/>
+        <p14:creationId xmlns:p14="http://schemas.microsoft.com/office/powerpoint/2010/main" val="1735056192"/>
       </p:ext>
     </p:extLst>
   </p:cSld>
@@ -2361,7 +2445,7 @@
           <a:p>
             <a:fld id="{63CC03EF-C4F1-4412-BBEB-80E4A4A353C2}" type="datetimeFigureOut">
               <a:rPr lang="en-US" smtClean="0"/>
-              <a:t>4/29/2019</a:t>
+              <a:t>5/7/2019</a:t>
             </a:fld>
             <a:endParaRPr lang="en-US"/>
           </a:p>
@@ -2612,7 +2696,7 @@
           <a:p>
             <a:fld id="{63CC03EF-C4F1-4412-BBEB-80E4A4A353C2}" type="datetimeFigureOut">
               <a:rPr lang="en-US" smtClean="0"/>
-              <a:t>4/29/2019</a:t>
+              <a:t>5/7/2019</a:t>
             </a:fld>
             <a:endParaRPr lang="en-US"/>
           </a:p>
@@ -2926,7 +3010,7 @@
           <a:p>
             <a:fld id="{63CC03EF-C4F1-4412-BBEB-80E4A4A353C2}" type="datetimeFigureOut">
               <a:rPr lang="en-US" smtClean="0"/>
-              <a:t>4/29/2019</a:t>
+              <a:t>5/7/2019</a:t>
             </a:fld>
             <a:endParaRPr lang="en-US"/>
           </a:p>
@@ -3267,7 +3351,7 @@
           <a:p>
             <a:fld id="{63CC03EF-C4F1-4412-BBEB-80E4A4A353C2}" type="datetimeFigureOut">
               <a:rPr lang="en-US" smtClean="0"/>
-              <a:t>4/29/2019</a:t>
+              <a:t>5/7/2019</a:t>
             </a:fld>
             <a:endParaRPr lang="en-US"/>
           </a:p>
@@ -3581,7 +3665,7 @@
           <a:p>
             <a:fld id="{63CC03EF-C4F1-4412-BBEB-80E4A4A353C2}" type="datetimeFigureOut">
               <a:rPr lang="en-US" smtClean="0"/>
-              <a:t>4/29/2019</a:t>
+              <a:t>5/7/2019</a:t>
             </a:fld>
             <a:endParaRPr lang="en-US"/>
           </a:p>
@@ -3974,7 +4058,7 @@
           <a:p>
             <a:fld id="{63CC03EF-C4F1-4412-BBEB-80E4A4A353C2}" type="datetimeFigureOut">
               <a:rPr lang="en-US" smtClean="0"/>
-              <a:t>4/29/2019</a:t>
+              <a:t>5/7/2019</a:t>
             </a:fld>
             <a:endParaRPr lang="en-US"/>
           </a:p>
@@ -4144,7 +4228,7 @@
           <a:p>
             <a:fld id="{63CC03EF-C4F1-4412-BBEB-80E4A4A353C2}" type="datetimeFigureOut">
               <a:rPr lang="en-US" smtClean="0"/>
-              <a:t>4/29/2019</a:t>
+              <a:t>5/7/2019</a:t>
             </a:fld>
             <a:endParaRPr lang="en-US"/>
           </a:p>
@@ -4324,7 +4408,7 @@
           <a:p>
             <a:fld id="{63CC03EF-C4F1-4412-BBEB-80E4A4A353C2}" type="datetimeFigureOut">
               <a:rPr lang="en-US" smtClean="0"/>
-              <a:t>4/29/2019</a:t>
+              <a:t>5/7/2019</a:t>
             </a:fld>
             <a:endParaRPr lang="en-US"/>
           </a:p>
@@ -4500,7 +4584,7 @@
           <a:p>
             <a:fld id="{63CC03EF-C4F1-4412-BBEB-80E4A4A353C2}" type="datetimeFigureOut">
               <a:rPr lang="en-US" smtClean="0"/>
-              <a:t>4/29/2019</a:t>
+              <a:t>5/7/2019</a:t>
             </a:fld>
             <a:endParaRPr lang="en-US"/>
           </a:p>
@@ -4747,7 +4831,7 @@
           <a:p>
             <a:fld id="{63CC03EF-C4F1-4412-BBEB-80E4A4A353C2}" type="datetimeFigureOut">
               <a:rPr lang="en-US" smtClean="0"/>
-              <a:t>4/29/2019</a:t>
+              <a:t>5/7/2019</a:t>
             </a:fld>
             <a:endParaRPr lang="en-US"/>
           </a:p>
@@ -4979,7 +5063,7 @@
           <a:p>
             <a:fld id="{63CC03EF-C4F1-4412-BBEB-80E4A4A353C2}" type="datetimeFigureOut">
               <a:rPr lang="en-US" smtClean="0"/>
-              <a:t>4/29/2019</a:t>
+              <a:t>5/7/2019</a:t>
             </a:fld>
             <a:endParaRPr lang="en-US"/>
           </a:p>
@@ -5353,7 +5437,7 @@
           <a:p>
             <a:fld id="{63CC03EF-C4F1-4412-BBEB-80E4A4A353C2}" type="datetimeFigureOut">
               <a:rPr lang="en-US" smtClean="0"/>
-              <a:t>4/29/2019</a:t>
+              <a:t>5/7/2019</a:t>
             </a:fld>
             <a:endParaRPr lang="en-US"/>
           </a:p>
@@ -5476,7 +5560,7 @@
           <a:p>
             <a:fld id="{63CC03EF-C4F1-4412-BBEB-80E4A4A353C2}" type="datetimeFigureOut">
               <a:rPr lang="en-US" smtClean="0"/>
-              <a:t>4/29/2019</a:t>
+              <a:t>5/7/2019</a:t>
             </a:fld>
             <a:endParaRPr lang="en-US"/>
           </a:p>
@@ -5571,7 +5655,7 @@
           <a:p>
             <a:fld id="{63CC03EF-C4F1-4412-BBEB-80E4A4A353C2}" type="datetimeFigureOut">
               <a:rPr lang="en-US" smtClean="0"/>
-              <a:t>4/29/2019</a:t>
+              <a:t>5/7/2019</a:t>
             </a:fld>
             <a:endParaRPr lang="en-US"/>
           </a:p>
@@ -5826,7 +5910,7 @@
           <a:p>
             <a:fld id="{63CC03EF-C4F1-4412-BBEB-80E4A4A353C2}" type="datetimeFigureOut">
               <a:rPr lang="en-US" smtClean="0"/>
-              <a:t>4/29/2019</a:t>
+              <a:t>5/7/2019</a:t>
             </a:fld>
             <a:endParaRPr lang="en-US"/>
           </a:p>
@@ -6089,7 +6173,7 @@
           <a:p>
             <a:fld id="{63CC03EF-C4F1-4412-BBEB-80E4A4A353C2}" type="datetimeFigureOut">
               <a:rPr lang="en-US" smtClean="0"/>
-              <a:t>4/29/2019</a:t>
+              <a:t>5/7/2019</a:t>
             </a:fld>
             <a:endParaRPr lang="en-US"/>
           </a:p>
@@ -6832,7 +6916,7 @@
           <a:p>
             <a:fld id="{63CC03EF-C4F1-4412-BBEB-80E4A4A353C2}" type="datetimeFigureOut">
               <a:rPr lang="en-US" smtClean="0"/>
-              <a:t>4/29/2019</a:t>
+              <a:t>5/7/2019</a:t>
             </a:fld>
             <a:endParaRPr lang="en-US"/>
           </a:p>
@@ -7542,7 +7626,7 @@
         <p:spPr>
           <a:xfrm>
             <a:off x="5519790" y="4462819"/>
-            <a:ext cx="5062668" cy="1692771"/>
+            <a:ext cx="5062668" cy="1200329"/>
           </a:xfrm>
           <a:prstGeom prst="rect">
             <a:avLst/>
@@ -7571,26 +7655,6 @@
           </a:p>
           <a:p>
             <a:endParaRPr lang="en-US" dirty="0"/>
-          </a:p>
-          <a:p>
-            <a:r>
-              <a:rPr lang="en-US" dirty="0"/>
-              <a:t>RTIME project walk through</a:t>
-            </a:r>
-          </a:p>
-          <a:p>
-            <a:r>
-              <a:rPr lang="en-US" sz="1400" dirty="0"/>
-              <a:t>(</a:t>
-            </a:r>
-            <a:r>
-              <a:rPr lang="en-US" sz="1400" dirty="0" err="1"/>
-              <a:t>FrontEnd</a:t>
-            </a:r>
-            <a:r>
-              <a:rPr lang="en-US" sz="1400" dirty="0"/>
-              <a:t> -&gt; Controller -&gt; Service -&gt; DAO -&gt; Database)</a:t>
-            </a:r>
           </a:p>
         </p:txBody>
       </p:sp>
@@ -7609,7 +7673,7 @@
           <p:nvPr/>
         </p:nvPicPr>
         <p:blipFill>
-          <a:blip r:embed="rId2"/>
+          <a:blip r:embed="rId3"/>
           <a:stretch>
             <a:fillRect/>
           </a:stretch>
@@ -7639,7 +7703,7 @@
           <p:nvPr/>
         </p:nvPicPr>
         <p:blipFill>
-          <a:blip r:embed="rId3"/>
+          <a:blip r:embed="rId4"/>
           <a:stretch>
             <a:fillRect/>
           </a:stretch>
@@ -9504,7 +9568,14 @@
           </a:p>
           <a:p>
             <a:r>
-              <a:rPr lang="en-US" dirty="0"/>
+              <a:rPr lang="en-US" dirty="0">
+                <a:solidFill>
+                  <a:schemeClr val="tx2">
+                    <a:lumMod val="60000"/>
+                    <a:lumOff val="40000"/>
+                  </a:schemeClr>
+                </a:solidFill>
+              </a:rPr>
               <a:t>4. sleep() vs wait() vs yield()</a:t>
             </a:r>
           </a:p>
@@ -9513,7 +9584,14 @@
               <a:buNone/>
             </a:pPr>
             <a:r>
-              <a:rPr lang="en-US" dirty="0"/>
+              <a:rPr lang="en-US" dirty="0">
+                <a:solidFill>
+                  <a:schemeClr val="tx2">
+                    <a:lumMod val="60000"/>
+                    <a:lumOff val="40000"/>
+                  </a:schemeClr>
+                </a:solidFill>
+              </a:rPr>
               <a:t>A: sleep() suspend current thread for given time. All other threads cannot run. This thread still occupies the lane.</a:t>
             </a:r>
           </a:p>
@@ -9522,7 +9600,14 @@
               <a:buNone/>
             </a:pPr>
             <a:r>
-              <a:rPr lang="en-US" dirty="0"/>
+              <a:rPr lang="en-US" dirty="0">
+                <a:solidFill>
+                  <a:schemeClr val="tx2">
+                    <a:lumMod val="60000"/>
+                    <a:lumOff val="40000"/>
+                  </a:schemeClr>
+                </a:solidFill>
+              </a:rPr>
               <a:t>wait() will suspend current thread and let other thread run. This thread only restart when hear notify()</a:t>
             </a:r>
           </a:p>
@@ -9531,7 +9616,14 @@
               <a:buNone/>
             </a:pPr>
             <a:r>
-              <a:rPr lang="en-US" dirty="0"/>
+              <a:rPr lang="en-US" dirty="0">
+                <a:solidFill>
+                  <a:schemeClr val="tx2">
+                    <a:lumMod val="60000"/>
+                    <a:lumOff val="40000"/>
+                  </a:schemeClr>
+                </a:solidFill>
+              </a:rPr>
               <a:t>Yield() suspend current thread. Other thread may run or may not. – rarely used.</a:t>
             </a:r>
           </a:p>
@@ -9544,7 +9636,18 @@
           <a:p>
             <a:r>
               <a:rPr lang="en-US" dirty="0"/>
-              <a:t>5.ThreadLocal vs Volatile</a:t>
+              <a:t>5.ThreadLocal </a:t>
+            </a:r>
+            <a:r>
+              <a:rPr lang="en-US" dirty="0">
+                <a:solidFill>
+                  <a:schemeClr val="tx2">
+                    <a:lumMod val="60000"/>
+                    <a:lumOff val="40000"/>
+                  </a:schemeClr>
+                </a:solidFill>
+              </a:rPr>
+              <a:t>vs Volatile</a:t>
             </a:r>
           </a:p>
           <a:p>
@@ -9569,7 +9672,14 @@
               <a:buNone/>
             </a:pPr>
             <a:r>
-              <a:rPr lang="en-US" dirty="0"/>
+              <a:rPr lang="en-US" dirty="0">
+                <a:solidFill>
+                  <a:schemeClr val="tx2">
+                    <a:lumMod val="60000"/>
+                    <a:lumOff val="40000"/>
+                  </a:schemeClr>
+                </a:solidFill>
+              </a:rPr>
               <a:t>Volatile objects is completely shared between threads</a:t>
             </a:r>
           </a:p>
@@ -10065,23 +10175,23 @@
           <a:lstStyle/>
           <a:p>
             <a:r>
-              <a:rPr lang="en-US"/>
+              <a:rPr lang="en-US" dirty="0"/>
               <a:t>6. join(</a:t>
             </a:r>
             <a:r>
-              <a:rPr lang="en-US" i="1"/>
+              <a:rPr lang="en-US" i="1" dirty="0"/>
               <a:t>s</a:t>
             </a:r>
             <a:r>
-              <a:rPr lang="en-US"/>
+              <a:rPr lang="en-US" dirty="0"/>
               <a:t>) tells other threads to wait until this thread is completed or just wait for the given </a:t>
             </a:r>
             <a:r>
-              <a:rPr lang="en-US" i="1"/>
+              <a:rPr lang="en-US" i="1" dirty="0"/>
               <a:t>s</a:t>
             </a:r>
             <a:r>
-              <a:rPr lang="en-US"/>
+              <a:rPr lang="en-US" dirty="0"/>
               <a:t> seconds</a:t>
             </a:r>
           </a:p>
@@ -10089,37 +10199,42 @@
             <a:pPr marL="0" indent="0">
               <a:buNone/>
             </a:pPr>
-            <a:endParaRPr lang="en-US"/>
-          </a:p>
-          <a:p>
-            <a:r>
-              <a:rPr lang="en-US"/>
-              <a:t>7. Given three threads, how to let them run in order?</a:t>
+            <a:r>
+              <a:rPr lang="en-US" dirty="0"/>
+              <a:t>     </a:t>
+            </a:r>
+            <a:r>
+              <a:rPr lang="en-US" i="1" u="sng" dirty="0"/>
+              <a:t>Question</a:t>
+            </a:r>
+            <a:r>
+              <a:rPr lang="en-US" dirty="0"/>
+              <a:t>: Given three threads, how to let them run in order?</a:t>
             </a:r>
           </a:p>
           <a:p>
             <a:pPr marL="0" indent="0">
               <a:buNone/>
             </a:pPr>
-            <a:endParaRPr lang="en-US"/>
-          </a:p>
-          <a:p>
-            <a:endParaRPr lang="en-US"/>
-          </a:p>
-          <a:p>
-            <a:endParaRPr lang="en-US"/>
-          </a:p>
-          <a:p>
-            <a:endParaRPr lang="en-US"/>
-          </a:p>
-          <a:p>
-            <a:endParaRPr lang="en-US"/>
-          </a:p>
-          <a:p>
-            <a:endParaRPr lang="en-US"/>
-          </a:p>
-          <a:p>
-            <a:endParaRPr lang="en-US"/>
+            <a:endParaRPr lang="en-US" dirty="0"/>
+          </a:p>
+          <a:p>
+            <a:endParaRPr lang="en-US" dirty="0"/>
+          </a:p>
+          <a:p>
+            <a:endParaRPr lang="en-US" dirty="0"/>
+          </a:p>
+          <a:p>
+            <a:endParaRPr lang="en-US" dirty="0"/>
+          </a:p>
+          <a:p>
+            <a:endParaRPr lang="en-US" dirty="0"/>
+          </a:p>
+          <a:p>
+            <a:endParaRPr lang="en-US" dirty="0"/>
+          </a:p>
+          <a:p>
+            <a:endParaRPr lang="en-US" dirty="0"/>
           </a:p>
           <a:p>
             <a:endParaRPr lang="en-US" dirty="0"/>
@@ -11469,14 +11584,35 @@
           <a:lstStyle/>
           <a:p>
             <a:r>
-              <a:rPr lang="en-US" dirty="0"/>
+              <a:rPr lang="en-US" dirty="0">
+                <a:solidFill>
+                  <a:schemeClr val="tx2">
+                    <a:lumMod val="60000"/>
+                    <a:lumOff val="40000"/>
+                  </a:schemeClr>
+                </a:solidFill>
+              </a:rPr>
               <a:t>Topic: Concurrency </a:t>
             </a:r>
             <a:br>
-              <a:rPr lang="en-US" dirty="0"/>
+              <a:rPr lang="en-US" dirty="0">
+                <a:solidFill>
+                  <a:schemeClr val="tx2">
+                    <a:lumMod val="60000"/>
+                    <a:lumOff val="40000"/>
+                  </a:schemeClr>
+                </a:solidFill>
+              </a:rPr>
             </a:br>
             <a:r>
-              <a:rPr lang="en-US" dirty="0"/>
+              <a:rPr lang="en-US" dirty="0">
+                <a:solidFill>
+                  <a:schemeClr val="tx2">
+                    <a:lumMod val="60000"/>
+                    <a:lumOff val="40000"/>
+                  </a:schemeClr>
+                </a:solidFill>
+              </a:rPr>
               <a:t>-- 2) Semaphore and Mutex</a:t>
             </a:r>
           </a:p>
@@ -11509,7 +11645,14 @@
           <a:lstStyle/>
           <a:p>
             <a:r>
-              <a:rPr lang="en-US" dirty="0"/>
+              <a:rPr lang="en-US" dirty="0">
+                <a:solidFill>
+                  <a:schemeClr val="tx2">
+                    <a:lumMod val="60000"/>
+                    <a:lumOff val="40000"/>
+                  </a:schemeClr>
+                </a:solidFill>
+              </a:rPr>
               <a:t>Semaphore – limits the number of threads to access one resource concurrently</a:t>
             </a:r>
           </a:p>
@@ -11518,21 +11661,49 @@
               <a:buNone/>
             </a:pPr>
             <a:r>
-              <a:rPr lang="en-US" i="1" dirty="0"/>
+              <a:rPr lang="en-US" i="1" dirty="0">
+                <a:solidFill>
+                  <a:schemeClr val="tx2">
+                    <a:lumMod val="60000"/>
+                    <a:lumOff val="40000"/>
+                  </a:schemeClr>
+                </a:solidFill>
+              </a:rPr>
               <a:t>	Semaphore </a:t>
             </a:r>
             <a:r>
-              <a:rPr lang="en-US" i="1" dirty="0" err="1"/>
+              <a:rPr lang="en-US" i="1" dirty="0" err="1">
+                <a:solidFill>
+                  <a:schemeClr val="tx2">
+                    <a:lumMod val="60000"/>
+                    <a:lumOff val="40000"/>
+                  </a:schemeClr>
+                </a:solidFill>
+              </a:rPr>
               <a:t>semaphore</a:t>
             </a:r>
             <a:r>
-              <a:rPr lang="en-US" i="1" dirty="0"/>
+              <a:rPr lang="en-US" i="1" dirty="0">
+                <a:solidFill>
+                  <a:schemeClr val="tx2">
+                    <a:lumMod val="60000"/>
+                    <a:lumOff val="40000"/>
+                  </a:schemeClr>
+                </a:solidFill>
+              </a:rPr>
               <a:t> = new Semaphore(4)</a:t>
             </a:r>
           </a:p>
           <a:p>
             <a:r>
-              <a:rPr lang="en-US" dirty="0"/>
+              <a:rPr lang="en-US" dirty="0">
+                <a:solidFill>
+                  <a:schemeClr val="tx2">
+                    <a:lumMod val="60000"/>
+                    <a:lumOff val="40000"/>
+                  </a:schemeClr>
+                </a:solidFill>
+              </a:rPr>
               <a:t>Mutex – limits only 1 thread to access one resource concurrently</a:t>
             </a:r>
           </a:p>
@@ -11541,11 +11712,25 @@
               <a:buNone/>
             </a:pPr>
             <a:r>
-              <a:rPr lang="en-US" dirty="0"/>
+              <a:rPr lang="en-US" dirty="0">
+                <a:solidFill>
+                  <a:schemeClr val="tx2">
+                    <a:lumMod val="60000"/>
+                    <a:lumOff val="40000"/>
+                  </a:schemeClr>
+                </a:solidFill>
+              </a:rPr>
               <a:t>	</a:t>
             </a:r>
             <a:r>
-              <a:rPr lang="en-US" i="1" dirty="0"/>
+              <a:rPr lang="en-US" i="1" dirty="0">
+                <a:solidFill>
+                  <a:schemeClr val="tx2">
+                    <a:lumMod val="60000"/>
+                    <a:lumOff val="40000"/>
+                  </a:schemeClr>
+                </a:solidFill>
+              </a:rPr>
               <a:t>Mutex is not native in java, Semaphore(1) is Mutex</a:t>
             </a:r>
           </a:p>

--- a/powerpoints/1_Core_Java.pptx
+++ b/powerpoints/1_Core_Java.pptx
@@ -225,7 +225,7 @@
           <a:p>
             <a:fld id="{D57E2924-9166-4D8A-BCBE-CC8C2522A71F}" type="datetimeFigureOut">
               <a:rPr lang="en-US" smtClean="0"/>
-              <a:t>5/7/2019</a:t>
+              <a:t>6/3/2019</a:t>
             </a:fld>
             <a:endParaRPr lang="en-US"/>
           </a:p>
@@ -2445,7 +2445,7 @@
           <a:p>
             <a:fld id="{63CC03EF-C4F1-4412-BBEB-80E4A4A353C2}" type="datetimeFigureOut">
               <a:rPr lang="en-US" smtClean="0"/>
-              <a:t>5/7/2019</a:t>
+              <a:t>6/3/2019</a:t>
             </a:fld>
             <a:endParaRPr lang="en-US"/>
           </a:p>
@@ -2696,7 +2696,7 @@
           <a:p>
             <a:fld id="{63CC03EF-C4F1-4412-BBEB-80E4A4A353C2}" type="datetimeFigureOut">
               <a:rPr lang="en-US" smtClean="0"/>
-              <a:t>5/7/2019</a:t>
+              <a:t>6/3/2019</a:t>
             </a:fld>
             <a:endParaRPr lang="en-US"/>
           </a:p>
@@ -3010,7 +3010,7 @@
           <a:p>
             <a:fld id="{63CC03EF-C4F1-4412-BBEB-80E4A4A353C2}" type="datetimeFigureOut">
               <a:rPr lang="en-US" smtClean="0"/>
-              <a:t>5/7/2019</a:t>
+              <a:t>6/3/2019</a:t>
             </a:fld>
             <a:endParaRPr lang="en-US"/>
           </a:p>
@@ -3351,7 +3351,7 @@
           <a:p>
             <a:fld id="{63CC03EF-C4F1-4412-BBEB-80E4A4A353C2}" type="datetimeFigureOut">
               <a:rPr lang="en-US" smtClean="0"/>
-              <a:t>5/7/2019</a:t>
+              <a:t>6/3/2019</a:t>
             </a:fld>
             <a:endParaRPr lang="en-US"/>
           </a:p>
@@ -3665,7 +3665,7 @@
           <a:p>
             <a:fld id="{63CC03EF-C4F1-4412-BBEB-80E4A4A353C2}" type="datetimeFigureOut">
               <a:rPr lang="en-US" smtClean="0"/>
-              <a:t>5/7/2019</a:t>
+              <a:t>6/3/2019</a:t>
             </a:fld>
             <a:endParaRPr lang="en-US"/>
           </a:p>
@@ -4058,7 +4058,7 @@
           <a:p>
             <a:fld id="{63CC03EF-C4F1-4412-BBEB-80E4A4A353C2}" type="datetimeFigureOut">
               <a:rPr lang="en-US" smtClean="0"/>
-              <a:t>5/7/2019</a:t>
+              <a:t>6/3/2019</a:t>
             </a:fld>
             <a:endParaRPr lang="en-US"/>
           </a:p>
@@ -4228,7 +4228,7 @@
           <a:p>
             <a:fld id="{63CC03EF-C4F1-4412-BBEB-80E4A4A353C2}" type="datetimeFigureOut">
               <a:rPr lang="en-US" smtClean="0"/>
-              <a:t>5/7/2019</a:t>
+              <a:t>6/3/2019</a:t>
             </a:fld>
             <a:endParaRPr lang="en-US"/>
           </a:p>
@@ -4408,7 +4408,7 @@
           <a:p>
             <a:fld id="{63CC03EF-C4F1-4412-BBEB-80E4A4A353C2}" type="datetimeFigureOut">
               <a:rPr lang="en-US" smtClean="0"/>
-              <a:t>5/7/2019</a:t>
+              <a:t>6/3/2019</a:t>
             </a:fld>
             <a:endParaRPr lang="en-US"/>
           </a:p>
@@ -4584,7 +4584,7 @@
           <a:p>
             <a:fld id="{63CC03EF-C4F1-4412-BBEB-80E4A4A353C2}" type="datetimeFigureOut">
               <a:rPr lang="en-US" smtClean="0"/>
-              <a:t>5/7/2019</a:t>
+              <a:t>6/3/2019</a:t>
             </a:fld>
             <a:endParaRPr lang="en-US"/>
           </a:p>
@@ -4831,7 +4831,7 @@
           <a:p>
             <a:fld id="{63CC03EF-C4F1-4412-BBEB-80E4A4A353C2}" type="datetimeFigureOut">
               <a:rPr lang="en-US" smtClean="0"/>
-              <a:t>5/7/2019</a:t>
+              <a:t>6/3/2019</a:t>
             </a:fld>
             <a:endParaRPr lang="en-US"/>
           </a:p>
@@ -5063,7 +5063,7 @@
           <a:p>
             <a:fld id="{63CC03EF-C4F1-4412-BBEB-80E4A4A353C2}" type="datetimeFigureOut">
               <a:rPr lang="en-US" smtClean="0"/>
-              <a:t>5/7/2019</a:t>
+              <a:t>6/3/2019</a:t>
             </a:fld>
             <a:endParaRPr lang="en-US"/>
           </a:p>
@@ -5437,7 +5437,7 @@
           <a:p>
             <a:fld id="{63CC03EF-C4F1-4412-BBEB-80E4A4A353C2}" type="datetimeFigureOut">
               <a:rPr lang="en-US" smtClean="0"/>
-              <a:t>5/7/2019</a:t>
+              <a:t>6/3/2019</a:t>
             </a:fld>
             <a:endParaRPr lang="en-US"/>
           </a:p>
@@ -5560,7 +5560,7 @@
           <a:p>
             <a:fld id="{63CC03EF-C4F1-4412-BBEB-80E4A4A353C2}" type="datetimeFigureOut">
               <a:rPr lang="en-US" smtClean="0"/>
-              <a:t>5/7/2019</a:t>
+              <a:t>6/3/2019</a:t>
             </a:fld>
             <a:endParaRPr lang="en-US"/>
           </a:p>
@@ -5655,7 +5655,7 @@
           <a:p>
             <a:fld id="{63CC03EF-C4F1-4412-BBEB-80E4A4A353C2}" type="datetimeFigureOut">
               <a:rPr lang="en-US" smtClean="0"/>
-              <a:t>5/7/2019</a:t>
+              <a:t>6/3/2019</a:t>
             </a:fld>
             <a:endParaRPr lang="en-US"/>
           </a:p>
@@ -5910,7 +5910,7 @@
           <a:p>
             <a:fld id="{63CC03EF-C4F1-4412-BBEB-80E4A4A353C2}" type="datetimeFigureOut">
               <a:rPr lang="en-US" smtClean="0"/>
-              <a:t>5/7/2019</a:t>
+              <a:t>6/3/2019</a:t>
             </a:fld>
             <a:endParaRPr lang="en-US"/>
           </a:p>
@@ -6173,7 +6173,7 @@
           <a:p>
             <a:fld id="{63CC03EF-C4F1-4412-BBEB-80E4A4A353C2}" type="datetimeFigureOut">
               <a:rPr lang="en-US" smtClean="0"/>
-              <a:t>5/7/2019</a:t>
+              <a:t>6/3/2019</a:t>
             </a:fld>
             <a:endParaRPr lang="en-US"/>
           </a:p>
@@ -6916,7 +6916,7 @@
           <a:p>
             <a:fld id="{63CC03EF-C4F1-4412-BBEB-80E4A4A353C2}" type="datetimeFigureOut">
               <a:rPr lang="en-US" smtClean="0"/>
-              <a:t>5/7/2019</a:t>
+              <a:t>6/3/2019</a:t>
             </a:fld>
             <a:endParaRPr lang="en-US"/>
           </a:p>
